--- a/COVID19DashBoard insights.pptx
+++ b/COVID19DashBoard insights.pptx
@@ -29164,7 +29164,7 @@
         </p:blipFill>
         <p:spPr>
           <a:xfrm>
-            <a:off x="3598700" y="3071901"/>
+            <a:off x="3598700" y="3106902"/>
             <a:ext cx="5545300" cy="1009281"/>
           </a:xfrm>
           <a:prstGeom prst="rect">
@@ -29194,7 +29194,7 @@
         </p:blipFill>
         <p:spPr>
           <a:xfrm>
-            <a:off x="3598700" y="4129320"/>
+            <a:off x="3598700" y="4324710"/>
             <a:ext cx="5545300" cy="253707"/>
           </a:xfrm>
           <a:prstGeom prst="rect">
@@ -31469,7 +31469,7 @@
         </p:nvSpPr>
         <p:spPr>
           <a:xfrm>
-            <a:off x="722375" y="1471200"/>
+            <a:off x="722400" y="815026"/>
             <a:ext cx="3849600" cy="972900"/>
           </a:xfrm>
           <a:prstGeom prst="rect">
@@ -31492,10 +31492,10 @@
               <a:buNone/>
             </a:pPr>
             <a:r>
-              <a:rPr lang="en"/>
+              <a:rPr lang="en" dirty="0"/>
               <a:t>THANKS!</a:t>
             </a:r>
-            <a:endParaRPr/>
+            <a:endParaRPr dirty="0"/>
           </a:p>
         </p:txBody>
       </p:sp>
@@ -31511,8 +31511,8 @@
         </p:nvSpPr>
         <p:spPr>
           <a:xfrm>
-            <a:off x="721834" y="2473183"/>
-            <a:ext cx="3849600" cy="1311861"/>
+            <a:off x="721834" y="1787926"/>
+            <a:ext cx="4232938" cy="1565250"/>
           </a:xfrm>
           <a:prstGeom prst="rect">
             <a:avLst/>
@@ -31567,7 +31567,7 @@
             </a:pPr>
             <a:r>
               <a:rPr lang="en" dirty="0"/>
-              <a:t>+84 389263973F</a:t>
+              <a:t>0389263973</a:t>
             </a:r>
           </a:p>
           <a:p>
@@ -31581,1775 +31581,34 @@
               <a:buNone/>
             </a:pPr>
             <a:r>
+              <a:rPr lang="en" b="1" dirty="0"/>
+              <a:t>More projects here:</a:t>
+            </a:r>
+          </a:p>
+          <a:p>
+            <a:pPr marL="0" lvl="0" indent="0" algn="l" rtl="0">
+              <a:spcBef>
+                <a:spcPts val="0"/>
+              </a:spcBef>
+              <a:spcAft>
+                <a:spcPts val="0"/>
+              </a:spcAft>
+              <a:buNone/>
+            </a:pPr>
+            <a:r>
               <a:rPr lang="en" dirty="0"/>
-              <a:t>FB:</a:t>
+              <a:t>Github:</a:t>
             </a:r>
             <a:r>
               <a:rPr lang="en-US" dirty="0">
-                <a:hlinkClick r:id="rId4"/>
+                <a:hlinkClick r:id="rId4" tooltip="https://github.com/BaNamTheAnalyst"/>
               </a:rPr>
-              <a:t>https://www.facebook.com/nguen.nam.1654/</a:t>
+              <a:t>https://github.com/BaNamTheAnalyst</a:t>
             </a:r>
             <a:endParaRPr lang="en" dirty="0"/>
           </a:p>
         </p:txBody>
       </p:sp>
-      <p:sp>
-        <p:nvSpPr>
-          <p:cNvPr id="1439" name="Google Shape;1439;p71"/>
-          <p:cNvSpPr/>
-          <p:nvPr/>
-        </p:nvSpPr>
-        <p:spPr>
-          <a:xfrm>
-            <a:off x="820801" y="539498"/>
-            <a:ext cx="624900" cy="624900"/>
-          </a:xfrm>
-          <a:prstGeom prst="rect">
-            <a:avLst/>
-          </a:prstGeom>
-          <a:solidFill>
-            <a:schemeClr val="dk1"/>
-          </a:solidFill>
-          <a:ln>
-            <a:noFill/>
-          </a:ln>
-        </p:spPr>
-        <p:txBody>
-          <a:bodyPr spcFirstLastPara="1" wrap="square" lIns="91425" tIns="91425" rIns="91425" bIns="91425" anchor="ctr" anchorCtr="0">
-            <a:noAutofit/>
-          </a:bodyPr>
-          <a:lstStyle/>
-          <a:p>
-            <a:pPr marL="0" lvl="0" indent="0" algn="l" rtl="0">
-              <a:spcBef>
-                <a:spcPts val="0"/>
-              </a:spcBef>
-              <a:spcAft>
-                <a:spcPts val="0"/>
-              </a:spcAft>
-              <a:buNone/>
-            </a:pPr>
-            <a:endParaRPr/>
-          </a:p>
-        </p:txBody>
-      </p:sp>
-      <p:sp>
-        <p:nvSpPr>
-          <p:cNvPr id="1440" name="Google Shape;1440;p71"/>
-          <p:cNvSpPr/>
-          <p:nvPr/>
-        </p:nvSpPr>
-        <p:spPr>
-          <a:xfrm>
-            <a:off x="1555734" y="539498"/>
-            <a:ext cx="624900" cy="624900"/>
-          </a:xfrm>
-          <a:prstGeom prst="rect">
-            <a:avLst/>
-          </a:prstGeom>
-          <a:solidFill>
-            <a:schemeClr val="dk1"/>
-          </a:solidFill>
-          <a:ln>
-            <a:noFill/>
-          </a:ln>
-        </p:spPr>
-        <p:txBody>
-          <a:bodyPr spcFirstLastPara="1" wrap="square" lIns="91425" tIns="91425" rIns="91425" bIns="91425" anchor="ctr" anchorCtr="0">
-            <a:noAutofit/>
-          </a:bodyPr>
-          <a:lstStyle/>
-          <a:p>
-            <a:pPr marL="0" lvl="0" indent="0" algn="l" rtl="0">
-              <a:spcBef>
-                <a:spcPts val="0"/>
-              </a:spcBef>
-              <a:spcAft>
-                <a:spcPts val="0"/>
-              </a:spcAft>
-              <a:buNone/>
-            </a:pPr>
-            <a:endParaRPr/>
-          </a:p>
-        </p:txBody>
-      </p:sp>
-      <p:sp>
-        <p:nvSpPr>
-          <p:cNvPr id="1441" name="Google Shape;1441;p71"/>
-          <p:cNvSpPr/>
-          <p:nvPr/>
-        </p:nvSpPr>
-        <p:spPr>
-          <a:xfrm>
-            <a:off x="2290667" y="539498"/>
-            <a:ext cx="624900" cy="624900"/>
-          </a:xfrm>
-          <a:prstGeom prst="rect">
-            <a:avLst/>
-          </a:prstGeom>
-          <a:solidFill>
-            <a:schemeClr val="dk1"/>
-          </a:solidFill>
-          <a:ln>
-            <a:noFill/>
-          </a:ln>
-        </p:spPr>
-        <p:txBody>
-          <a:bodyPr spcFirstLastPara="1" wrap="square" lIns="91425" tIns="91425" rIns="91425" bIns="91425" anchor="ctr" anchorCtr="0">
-            <a:noAutofit/>
-          </a:bodyPr>
-          <a:lstStyle/>
-          <a:p>
-            <a:pPr marL="0" lvl="0" indent="0" algn="l" rtl="0">
-              <a:spcBef>
-                <a:spcPts val="0"/>
-              </a:spcBef>
-              <a:spcAft>
-                <a:spcPts val="0"/>
-              </a:spcAft>
-              <a:buNone/>
-            </a:pPr>
-            <a:endParaRPr/>
-          </a:p>
-        </p:txBody>
-      </p:sp>
-      <p:sp>
-        <p:nvSpPr>
-          <p:cNvPr id="1442" name="Google Shape;1442;p71"/>
-          <p:cNvSpPr/>
-          <p:nvPr/>
-        </p:nvSpPr>
-        <p:spPr>
-          <a:xfrm>
-            <a:off x="3025601" y="539498"/>
-            <a:ext cx="624900" cy="624900"/>
-          </a:xfrm>
-          <a:prstGeom prst="rect">
-            <a:avLst/>
-          </a:prstGeom>
-          <a:solidFill>
-            <a:schemeClr val="dk1"/>
-          </a:solidFill>
-          <a:ln>
-            <a:noFill/>
-          </a:ln>
-        </p:spPr>
-        <p:txBody>
-          <a:bodyPr spcFirstLastPara="1" wrap="square" lIns="91425" tIns="91425" rIns="91425" bIns="91425" anchor="ctr" anchorCtr="0">
-            <a:noAutofit/>
-          </a:bodyPr>
-          <a:lstStyle/>
-          <a:p>
-            <a:pPr marL="0" lvl="0" indent="0" algn="l" rtl="0">
-              <a:spcBef>
-                <a:spcPts val="0"/>
-              </a:spcBef>
-              <a:spcAft>
-                <a:spcPts val="0"/>
-              </a:spcAft>
-              <a:buNone/>
-            </a:pPr>
-            <a:endParaRPr/>
-          </a:p>
-        </p:txBody>
-      </p:sp>
-      <p:grpSp>
-        <p:nvGrpSpPr>
-          <p:cNvPr id="1443" name="Google Shape;1443;p71"/>
-          <p:cNvGrpSpPr/>
-          <p:nvPr/>
-        </p:nvGrpSpPr>
-        <p:grpSpPr>
-          <a:xfrm>
-            <a:off x="3153110" y="669786"/>
-            <a:ext cx="369882" cy="364325"/>
-            <a:chOff x="1190200" y="238125"/>
-            <a:chExt cx="5306767" cy="5212083"/>
-          </a:xfrm>
-        </p:grpSpPr>
-        <p:grpSp>
-          <p:nvGrpSpPr>
-            <p:cNvPr id="1444" name="Google Shape;1444;p71"/>
-            <p:cNvGrpSpPr/>
-            <p:nvPr/>
-          </p:nvGrpSpPr>
-          <p:grpSpPr>
-            <a:xfrm>
-              <a:off x="1190200" y="238125"/>
-              <a:ext cx="5212075" cy="5212075"/>
-              <a:chOff x="1190200" y="238125"/>
-              <a:chExt cx="5212075" cy="5212075"/>
-            </a:xfrm>
-          </p:grpSpPr>
-          <p:sp>
-            <p:nvSpPr>
-              <p:cNvPr id="1445" name="Google Shape;1445;p71"/>
-              <p:cNvSpPr/>
-              <p:nvPr/>
-            </p:nvSpPr>
-            <p:spPr>
-              <a:xfrm>
-                <a:off x="1190200" y="238125"/>
-                <a:ext cx="5212075" cy="5212075"/>
-              </a:xfrm>
-              <a:custGeom>
-                <a:avLst/>
-                <a:gdLst/>
-                <a:ahLst/>
-                <a:cxnLst/>
-                <a:rect l="l" t="t" r="r" b="b"/>
-                <a:pathLst>
-                  <a:path w="208483" h="208483" extrusionOk="0">
-                    <a:moveTo>
-                      <a:pt x="104241" y="0"/>
-                    </a:moveTo>
-                    <a:cubicBezTo>
-                      <a:pt x="46667" y="0"/>
-                      <a:pt x="0" y="46667"/>
-                      <a:pt x="0" y="104241"/>
-                    </a:cubicBezTo>
-                    <a:cubicBezTo>
-                      <a:pt x="0" y="161816"/>
-                      <a:pt x="46667" y="208483"/>
-                      <a:pt x="104241" y="208483"/>
-                    </a:cubicBezTo>
-                    <a:cubicBezTo>
-                      <a:pt x="161816" y="208483"/>
-                      <a:pt x="208482" y="161816"/>
-                      <a:pt x="208482" y="104241"/>
-                    </a:cubicBezTo>
-                    <a:cubicBezTo>
-                      <a:pt x="208482" y="46667"/>
-                      <a:pt x="161816" y="0"/>
-                      <a:pt x="104241" y="0"/>
-                    </a:cubicBezTo>
-                    <a:close/>
-                  </a:path>
-                </a:pathLst>
-              </a:custGeom>
-              <a:gradFill>
-                <a:gsLst>
-                  <a:gs pos="0">
-                    <a:schemeClr val="lt2"/>
-                  </a:gs>
-                  <a:gs pos="100000">
-                    <a:schemeClr val="accent2"/>
-                  </a:gs>
-                </a:gsLst>
-                <a:lin ang="0" scaled="0"/>
-              </a:gradFill>
-              <a:ln>
-                <a:noFill/>
-              </a:ln>
-            </p:spPr>
-            <p:txBody>
-              <a:bodyPr spcFirstLastPara="1" wrap="square" lIns="91425" tIns="91425" rIns="91425" bIns="91425" anchor="ctr" anchorCtr="0">
-                <a:noAutofit/>
-              </a:bodyPr>
-              <a:lstStyle/>
-              <a:p>
-                <a:pPr marL="0" lvl="0" indent="0" algn="l" rtl="0">
-                  <a:spcBef>
-                    <a:spcPts val="0"/>
-                  </a:spcBef>
-                  <a:spcAft>
-                    <a:spcPts val="0"/>
-                  </a:spcAft>
-                  <a:buNone/>
-                </a:pPr>
-                <a:endParaRPr/>
-              </a:p>
-            </p:txBody>
-          </p:sp>
-          <p:sp>
-            <p:nvSpPr>
-              <p:cNvPr id="1446" name="Google Shape;1446;p71"/>
-              <p:cNvSpPr/>
-              <p:nvPr/>
-            </p:nvSpPr>
-            <p:spPr>
-              <a:xfrm>
-                <a:off x="2368338" y="1220419"/>
-                <a:ext cx="2856522" cy="3247339"/>
-              </a:xfrm>
-              <a:custGeom>
-                <a:avLst/>
-                <a:gdLst/>
-                <a:ahLst/>
-                <a:cxnLst/>
-                <a:rect l="l" t="t" r="r" b="b"/>
-                <a:pathLst>
-                  <a:path w="130928" h="148841" extrusionOk="0">
-                    <a:moveTo>
-                      <a:pt x="70184" y="0"/>
-                    </a:moveTo>
-                    <a:cubicBezTo>
-                      <a:pt x="67749" y="0"/>
-                      <a:pt x="65781" y="1968"/>
-                      <a:pt x="65781" y="4370"/>
-                    </a:cubicBezTo>
-                    <a:lnTo>
-                      <a:pt x="65781" y="100105"/>
-                    </a:lnTo>
-                    <a:cubicBezTo>
-                      <a:pt x="65781" y="106844"/>
-                      <a:pt x="61744" y="112915"/>
-                      <a:pt x="55507" y="115483"/>
-                    </a:cubicBezTo>
-                    <a:cubicBezTo>
-                      <a:pt x="53445" y="116348"/>
-                      <a:pt x="51279" y="116767"/>
-                      <a:pt x="49132" y="116767"/>
-                    </a:cubicBezTo>
-                    <a:cubicBezTo>
-                      <a:pt x="44819" y="116767"/>
-                      <a:pt x="40578" y="115076"/>
-                      <a:pt x="37394" y="111914"/>
-                    </a:cubicBezTo>
-                    <a:cubicBezTo>
-                      <a:pt x="32624" y="107177"/>
-                      <a:pt x="31156" y="100039"/>
-                      <a:pt x="33691" y="93801"/>
-                    </a:cubicBezTo>
-                    <a:cubicBezTo>
-                      <a:pt x="36260" y="87563"/>
-                      <a:pt x="42297" y="83493"/>
-                      <a:pt x="49035" y="83460"/>
-                    </a:cubicBezTo>
-                    <a:cubicBezTo>
-                      <a:pt x="51437" y="83460"/>
-                      <a:pt x="53405" y="81492"/>
-                      <a:pt x="53405" y="79090"/>
-                    </a:cubicBezTo>
-                    <a:lnTo>
-                      <a:pt x="53405" y="55740"/>
-                    </a:lnTo>
-                    <a:cubicBezTo>
-                      <a:pt x="53405" y="53305"/>
-                      <a:pt x="51437" y="51370"/>
-                      <a:pt x="49035" y="51370"/>
-                    </a:cubicBezTo>
-                    <a:cubicBezTo>
-                      <a:pt x="21983" y="51370"/>
-                      <a:pt x="0" y="73253"/>
-                      <a:pt x="0" y="100105"/>
-                    </a:cubicBezTo>
-                    <a:cubicBezTo>
-                      <a:pt x="0" y="126991"/>
-                      <a:pt x="21949" y="148840"/>
-                      <a:pt x="49002" y="148840"/>
-                    </a:cubicBezTo>
-                    <a:cubicBezTo>
-                      <a:pt x="76021" y="148840"/>
-                      <a:pt x="98037" y="126991"/>
-                      <a:pt x="98037" y="100105"/>
-                    </a:cubicBezTo>
-                    <a:lnTo>
-                      <a:pt x="98037" y="57742"/>
-                    </a:lnTo>
-                    <a:cubicBezTo>
-                      <a:pt x="106751" y="62347"/>
-                      <a:pt x="116484" y="64780"/>
-                      <a:pt x="126356" y="64780"/>
-                    </a:cubicBezTo>
-                    <a:cubicBezTo>
-                      <a:pt x="126423" y="64780"/>
-                      <a:pt x="126490" y="64780"/>
-                      <a:pt x="126557" y="64780"/>
-                    </a:cubicBezTo>
-                    <a:cubicBezTo>
-                      <a:pt x="128959" y="64780"/>
-                      <a:pt x="130927" y="62812"/>
-                      <a:pt x="130927" y="60410"/>
-                    </a:cubicBezTo>
-                    <a:lnTo>
-                      <a:pt x="130927" y="37094"/>
-                    </a:lnTo>
-                    <a:cubicBezTo>
-                      <a:pt x="130927" y="34658"/>
-                      <a:pt x="128959" y="32724"/>
-                      <a:pt x="126557" y="32724"/>
-                    </a:cubicBezTo>
-                    <a:cubicBezTo>
-                      <a:pt x="110813" y="32724"/>
-                      <a:pt x="98037" y="19981"/>
-                      <a:pt x="98037" y="4370"/>
-                    </a:cubicBezTo>
-                    <a:cubicBezTo>
-                      <a:pt x="98037" y="1968"/>
-                      <a:pt x="96069" y="0"/>
-                      <a:pt x="93667" y="0"/>
-                    </a:cubicBezTo>
-                    <a:close/>
-                  </a:path>
-                </a:pathLst>
-              </a:custGeom>
-              <a:solidFill>
-                <a:schemeClr val="lt1"/>
-              </a:solidFill>
-              <a:ln>
-                <a:noFill/>
-              </a:ln>
-            </p:spPr>
-            <p:txBody>
-              <a:bodyPr spcFirstLastPara="1" wrap="square" lIns="91425" tIns="91425" rIns="91425" bIns="91425" anchor="ctr" anchorCtr="0">
-                <a:noAutofit/>
-              </a:bodyPr>
-              <a:lstStyle/>
-              <a:p>
-                <a:pPr marL="0" lvl="0" indent="0" algn="l" rtl="0">
-                  <a:spcBef>
-                    <a:spcPts val="0"/>
-                  </a:spcBef>
-                  <a:spcAft>
-                    <a:spcPts val="0"/>
-                  </a:spcAft>
-                  <a:buNone/>
-                </a:pPr>
-                <a:endParaRPr/>
-              </a:p>
-            </p:txBody>
-          </p:sp>
-        </p:grpSp>
-        <p:sp>
-          <p:nvSpPr>
-            <p:cNvPr id="1447" name="Google Shape;1447;p71"/>
-            <p:cNvSpPr/>
-            <p:nvPr/>
-          </p:nvSpPr>
-          <p:spPr>
-            <a:xfrm>
-              <a:off x="3459822" y="238126"/>
-              <a:ext cx="3037144" cy="5212082"/>
-            </a:xfrm>
-            <a:custGeom>
-              <a:avLst/>
-              <a:gdLst/>
-              <a:ahLst/>
-              <a:cxnLst/>
-              <a:rect l="l" t="t" r="r" b="b"/>
-              <a:pathLst>
-                <a:path w="7926" h="13602" extrusionOk="0">
-                  <a:moveTo>
-                    <a:pt x="881" y="0"/>
-                  </a:moveTo>
-                  <a:cubicBezTo>
-                    <a:pt x="593" y="0"/>
-                    <a:pt x="290" y="15"/>
-                    <a:pt x="1" y="58"/>
-                  </a:cubicBezTo>
-                  <a:cubicBezTo>
-                    <a:pt x="3379" y="505"/>
-                    <a:pt x="5919" y="3378"/>
-                    <a:pt x="5919" y="6799"/>
-                  </a:cubicBezTo>
-                  <a:cubicBezTo>
-                    <a:pt x="5919" y="10220"/>
-                    <a:pt x="3379" y="13093"/>
-                    <a:pt x="1" y="13541"/>
-                  </a:cubicBezTo>
-                  <a:cubicBezTo>
-                    <a:pt x="306" y="13581"/>
-                    <a:pt x="610" y="13601"/>
-                    <a:pt x="909" y="13601"/>
-                  </a:cubicBezTo>
-                  <a:cubicBezTo>
-                    <a:pt x="4431" y="13601"/>
-                    <a:pt x="7440" y="10865"/>
-                    <a:pt x="7666" y="7247"/>
-                  </a:cubicBezTo>
-                  <a:cubicBezTo>
-                    <a:pt x="7926" y="3320"/>
-                    <a:pt x="4822" y="0"/>
-                    <a:pt x="881" y="0"/>
-                  </a:cubicBezTo>
-                  <a:close/>
-                </a:path>
-              </a:pathLst>
-            </a:custGeom>
-            <a:solidFill>
-              <a:schemeClr val="dk1">
-                <a:alpha val="6520"/>
-              </a:schemeClr>
-            </a:solidFill>
-            <a:ln>
-              <a:noFill/>
-            </a:ln>
-          </p:spPr>
-          <p:txBody>
-            <a:bodyPr spcFirstLastPara="1" wrap="square" lIns="91425" tIns="91425" rIns="91425" bIns="91425" anchor="ctr" anchorCtr="0">
-              <a:noAutofit/>
-            </a:bodyPr>
-            <a:lstStyle/>
-            <a:p>
-              <a:pPr marL="0" lvl="0" indent="0" algn="l" rtl="0">
-                <a:spcBef>
-                  <a:spcPts val="0"/>
-                </a:spcBef>
-                <a:spcAft>
-                  <a:spcPts val="0"/>
-                </a:spcAft>
-                <a:buNone/>
-              </a:pPr>
-              <a:endParaRPr/>
-            </a:p>
-          </p:txBody>
-        </p:sp>
-      </p:grpSp>
-      <p:grpSp>
-        <p:nvGrpSpPr>
-          <p:cNvPr id="1448" name="Google Shape;1448;p71"/>
-          <p:cNvGrpSpPr/>
-          <p:nvPr/>
-        </p:nvGrpSpPr>
-        <p:grpSpPr>
-          <a:xfrm>
-            <a:off x="2421460" y="673660"/>
-            <a:ext cx="363314" cy="356576"/>
-            <a:chOff x="3763184" y="3817357"/>
-            <a:chExt cx="363314" cy="356576"/>
-          </a:xfrm>
-        </p:grpSpPr>
-        <p:sp>
-          <p:nvSpPr>
-            <p:cNvPr id="1449" name="Google Shape;1449;p71"/>
-            <p:cNvSpPr/>
-            <p:nvPr/>
-          </p:nvSpPr>
-          <p:spPr>
-            <a:xfrm>
-              <a:off x="3763184" y="3817357"/>
-              <a:ext cx="356865" cy="356498"/>
-            </a:xfrm>
-            <a:custGeom>
-              <a:avLst/>
-              <a:gdLst/>
-              <a:ahLst/>
-              <a:cxnLst/>
-              <a:rect l="l" t="t" r="r" b="b"/>
-              <a:pathLst>
-                <a:path w="13613" h="13599" extrusionOk="0">
-                  <a:moveTo>
-                    <a:pt x="6814" y="0"/>
-                  </a:moveTo>
-                  <a:cubicBezTo>
-                    <a:pt x="3046" y="0"/>
-                    <a:pt x="0" y="3046"/>
-                    <a:pt x="0" y="6799"/>
-                  </a:cubicBezTo>
-                  <a:cubicBezTo>
-                    <a:pt x="0" y="10552"/>
-                    <a:pt x="3046" y="13598"/>
-                    <a:pt x="6814" y="13598"/>
-                  </a:cubicBezTo>
-                  <a:cubicBezTo>
-                    <a:pt x="10567" y="13598"/>
-                    <a:pt x="13613" y="10552"/>
-                    <a:pt x="13613" y="6799"/>
-                  </a:cubicBezTo>
-                  <a:cubicBezTo>
-                    <a:pt x="13613" y="3046"/>
-                    <a:pt x="10567" y="0"/>
-                    <a:pt x="6814" y="0"/>
-                  </a:cubicBezTo>
-                  <a:close/>
-                </a:path>
-              </a:pathLst>
-            </a:custGeom>
-            <a:gradFill>
-              <a:gsLst>
-                <a:gs pos="0">
-                  <a:schemeClr val="accent3"/>
-                </a:gs>
-                <a:gs pos="100000">
-                  <a:schemeClr val="accent4"/>
-                </a:gs>
-              </a:gsLst>
-              <a:lin ang="13500032" scaled="0"/>
-            </a:gradFill>
-            <a:ln>
-              <a:noFill/>
-            </a:ln>
-          </p:spPr>
-          <p:txBody>
-            <a:bodyPr spcFirstLastPara="1" wrap="square" lIns="91425" tIns="91425" rIns="91425" bIns="91425" anchor="ctr" anchorCtr="0">
-              <a:noAutofit/>
-            </a:bodyPr>
-            <a:lstStyle/>
-            <a:p>
-              <a:pPr marL="0" lvl="0" indent="0" algn="l" rtl="0">
-                <a:spcBef>
-                  <a:spcPts val="0"/>
-                </a:spcBef>
-                <a:spcAft>
-                  <a:spcPts val="0"/>
-                </a:spcAft>
-                <a:buNone/>
-              </a:pPr>
-              <a:endParaRPr/>
-            </a:p>
-          </p:txBody>
-        </p:sp>
-        <p:sp>
-          <p:nvSpPr>
-            <p:cNvPr id="1450" name="Google Shape;1450;p71"/>
-            <p:cNvSpPr/>
-            <p:nvPr/>
-          </p:nvSpPr>
-          <p:spPr>
-            <a:xfrm>
-              <a:off x="3918324" y="3817357"/>
-              <a:ext cx="208173" cy="356576"/>
-            </a:xfrm>
-            <a:custGeom>
-              <a:avLst/>
-              <a:gdLst/>
-              <a:ahLst/>
-              <a:cxnLst/>
-              <a:rect l="l" t="t" r="r" b="b"/>
-              <a:pathLst>
-                <a:path w="7941" h="13602" extrusionOk="0">
-                  <a:moveTo>
-                    <a:pt x="896" y="0"/>
-                  </a:moveTo>
-                  <a:cubicBezTo>
-                    <a:pt x="593" y="0"/>
-                    <a:pt x="304" y="15"/>
-                    <a:pt x="1" y="58"/>
-                  </a:cubicBezTo>
-                  <a:cubicBezTo>
-                    <a:pt x="3393" y="505"/>
-                    <a:pt x="5919" y="3378"/>
-                    <a:pt x="5919" y="6799"/>
-                  </a:cubicBezTo>
-                  <a:cubicBezTo>
-                    <a:pt x="5919" y="10220"/>
-                    <a:pt x="3393" y="13093"/>
-                    <a:pt x="1" y="13541"/>
-                  </a:cubicBezTo>
-                  <a:cubicBezTo>
-                    <a:pt x="306" y="13581"/>
-                    <a:pt x="610" y="13601"/>
-                    <a:pt x="909" y="13601"/>
-                  </a:cubicBezTo>
-                  <a:cubicBezTo>
-                    <a:pt x="4431" y="13601"/>
-                    <a:pt x="7441" y="10865"/>
-                    <a:pt x="7681" y="7247"/>
-                  </a:cubicBezTo>
-                  <a:cubicBezTo>
-                    <a:pt x="7940" y="3320"/>
-                    <a:pt x="4822" y="0"/>
-                    <a:pt x="896" y="0"/>
-                  </a:cubicBezTo>
-                  <a:close/>
-                </a:path>
-              </a:pathLst>
-            </a:custGeom>
-            <a:solidFill>
-              <a:schemeClr val="dk1">
-                <a:alpha val="6520"/>
-              </a:schemeClr>
-            </a:solidFill>
-            <a:ln>
-              <a:noFill/>
-            </a:ln>
-          </p:spPr>
-          <p:txBody>
-            <a:bodyPr spcFirstLastPara="1" wrap="square" lIns="91425" tIns="91425" rIns="91425" bIns="91425" anchor="ctr" anchorCtr="0">
-              <a:noAutofit/>
-            </a:bodyPr>
-            <a:lstStyle/>
-            <a:p>
-              <a:pPr marL="0" lvl="0" indent="0" algn="l" rtl="0">
-                <a:spcBef>
-                  <a:spcPts val="0"/>
-                </a:spcBef>
-                <a:spcAft>
-                  <a:spcPts val="0"/>
-                </a:spcAft>
-                <a:buNone/>
-              </a:pPr>
-              <a:endParaRPr/>
-            </a:p>
-          </p:txBody>
-        </p:sp>
-        <p:sp>
-          <p:nvSpPr>
-            <p:cNvPr id="1451" name="Google Shape;1451;p71"/>
-            <p:cNvSpPr/>
-            <p:nvPr/>
-          </p:nvSpPr>
-          <p:spPr>
-            <a:xfrm>
-              <a:off x="3848330" y="3964188"/>
-              <a:ext cx="39375" cy="116945"/>
-            </a:xfrm>
-            <a:custGeom>
-              <a:avLst/>
-              <a:gdLst/>
-              <a:ahLst/>
-              <a:cxnLst/>
-              <a:rect l="l" t="t" r="r" b="b"/>
-              <a:pathLst>
-                <a:path w="1502" h="4461" extrusionOk="0">
-                  <a:moveTo>
-                    <a:pt x="58" y="0"/>
-                  </a:moveTo>
-                  <a:cubicBezTo>
-                    <a:pt x="29" y="0"/>
-                    <a:pt x="0" y="29"/>
-                    <a:pt x="0" y="58"/>
-                  </a:cubicBezTo>
-                  <a:lnTo>
-                    <a:pt x="0" y="4403"/>
-                  </a:lnTo>
-                  <a:cubicBezTo>
-                    <a:pt x="0" y="4432"/>
-                    <a:pt x="29" y="4461"/>
-                    <a:pt x="58" y="4461"/>
-                  </a:cubicBezTo>
-                  <a:lnTo>
-                    <a:pt x="1444" y="4461"/>
-                  </a:lnTo>
-                  <a:cubicBezTo>
-                    <a:pt x="1473" y="4461"/>
-                    <a:pt x="1502" y="4446"/>
-                    <a:pt x="1502" y="4403"/>
-                  </a:cubicBezTo>
-                  <a:lnTo>
-                    <a:pt x="1502" y="58"/>
-                  </a:lnTo>
-                  <a:cubicBezTo>
-                    <a:pt x="1502" y="29"/>
-                    <a:pt x="1473" y="0"/>
-                    <a:pt x="1444" y="0"/>
-                  </a:cubicBezTo>
-                  <a:close/>
-                </a:path>
-              </a:pathLst>
-            </a:custGeom>
-            <a:solidFill>
-              <a:schemeClr val="lt1"/>
-            </a:solidFill>
-            <a:ln>
-              <a:noFill/>
-            </a:ln>
-          </p:spPr>
-          <p:txBody>
-            <a:bodyPr spcFirstLastPara="1" wrap="square" lIns="91425" tIns="91425" rIns="91425" bIns="91425" anchor="ctr" anchorCtr="0">
-              <a:noAutofit/>
-            </a:bodyPr>
-            <a:lstStyle/>
-            <a:p>
-              <a:pPr marL="0" lvl="0" indent="0" algn="l" rtl="0">
-                <a:spcBef>
-                  <a:spcPts val="0"/>
-                </a:spcBef>
-                <a:spcAft>
-                  <a:spcPts val="0"/>
-                </a:spcAft>
-                <a:buNone/>
-              </a:pPr>
-              <a:endParaRPr/>
-            </a:p>
-          </p:txBody>
-        </p:sp>
-        <p:sp>
-          <p:nvSpPr>
-            <p:cNvPr id="1452" name="Google Shape;1452;p71"/>
-            <p:cNvSpPr/>
-            <p:nvPr/>
-          </p:nvSpPr>
-          <p:spPr>
-            <a:xfrm>
-              <a:off x="3832418" y="3894403"/>
-              <a:ext cx="55287" cy="47475"/>
-            </a:xfrm>
-            <a:custGeom>
-              <a:avLst/>
-              <a:gdLst/>
-              <a:ahLst/>
-              <a:cxnLst/>
-              <a:rect l="l" t="t" r="r" b="b"/>
-              <a:pathLst>
-                <a:path w="2109" h="1811" extrusionOk="0">
-                  <a:moveTo>
-                    <a:pt x="1208" y="0"/>
-                  </a:moveTo>
-                  <a:cubicBezTo>
-                    <a:pt x="987" y="0"/>
-                    <a:pt x="761" y="83"/>
-                    <a:pt x="578" y="266"/>
-                  </a:cubicBezTo>
-                  <a:cubicBezTo>
-                    <a:pt x="1" y="829"/>
-                    <a:pt x="405" y="1810"/>
-                    <a:pt x="1214" y="1810"/>
-                  </a:cubicBezTo>
-                  <a:cubicBezTo>
-                    <a:pt x="1704" y="1810"/>
-                    <a:pt x="2109" y="1406"/>
-                    <a:pt x="2109" y="901"/>
-                  </a:cubicBezTo>
-                  <a:cubicBezTo>
-                    <a:pt x="2109" y="355"/>
-                    <a:pt x="1668" y="0"/>
-                    <a:pt x="1208" y="0"/>
-                  </a:cubicBezTo>
-                  <a:close/>
-                </a:path>
-              </a:pathLst>
-            </a:custGeom>
-            <a:solidFill>
-              <a:schemeClr val="lt1"/>
-            </a:solidFill>
-            <a:ln>
-              <a:noFill/>
-            </a:ln>
-          </p:spPr>
-          <p:txBody>
-            <a:bodyPr spcFirstLastPara="1" wrap="square" lIns="91425" tIns="91425" rIns="91425" bIns="91425" anchor="ctr" anchorCtr="0">
-              <a:noAutofit/>
-            </a:bodyPr>
-            <a:lstStyle/>
-            <a:p>
-              <a:pPr marL="0" lvl="0" indent="0" algn="l" rtl="0">
-                <a:spcBef>
-                  <a:spcPts val="0"/>
-                </a:spcBef>
-                <a:spcAft>
-                  <a:spcPts val="0"/>
-                </a:spcAft>
-                <a:buNone/>
-              </a:pPr>
-              <a:endParaRPr/>
-            </a:p>
-          </p:txBody>
-        </p:sp>
-        <p:sp>
-          <p:nvSpPr>
-            <p:cNvPr id="1453" name="Google Shape;1453;p71"/>
-            <p:cNvSpPr/>
-            <p:nvPr/>
-          </p:nvSpPr>
-          <p:spPr>
-            <a:xfrm>
-              <a:off x="3925901" y="3964161"/>
-              <a:ext cx="124914" cy="117365"/>
-            </a:xfrm>
-            <a:custGeom>
-              <a:avLst/>
-              <a:gdLst/>
-              <a:ahLst/>
-              <a:cxnLst/>
-              <a:rect l="l" t="t" r="r" b="b"/>
-              <a:pathLst>
-                <a:path w="4765" h="4477" extrusionOk="0">
-                  <a:moveTo>
-                    <a:pt x="2716" y="1"/>
-                  </a:moveTo>
-                  <a:cubicBezTo>
-                    <a:pt x="2701" y="1"/>
-                    <a:pt x="2686" y="1"/>
-                    <a:pt x="2671" y="1"/>
-                  </a:cubicBezTo>
-                  <a:cubicBezTo>
-                    <a:pt x="2180" y="1"/>
-                    <a:pt x="1718" y="145"/>
-                    <a:pt x="1314" y="434"/>
-                  </a:cubicBezTo>
-                  <a:cubicBezTo>
-                    <a:pt x="1304" y="441"/>
-                    <a:pt x="1294" y="444"/>
-                    <a:pt x="1284" y="444"/>
-                  </a:cubicBezTo>
-                  <a:cubicBezTo>
-                    <a:pt x="1248" y="444"/>
-                    <a:pt x="1213" y="410"/>
-                    <a:pt x="1213" y="376"/>
-                  </a:cubicBezTo>
-                  <a:lnTo>
-                    <a:pt x="1213" y="59"/>
-                  </a:lnTo>
-                  <a:cubicBezTo>
-                    <a:pt x="1213" y="30"/>
-                    <a:pt x="1170" y="1"/>
-                    <a:pt x="1141" y="1"/>
-                  </a:cubicBezTo>
-                  <a:lnTo>
-                    <a:pt x="58" y="1"/>
-                  </a:lnTo>
-                  <a:cubicBezTo>
-                    <a:pt x="29" y="1"/>
-                    <a:pt x="1" y="30"/>
-                    <a:pt x="1" y="59"/>
-                  </a:cubicBezTo>
-                  <a:lnTo>
-                    <a:pt x="1" y="4389"/>
-                  </a:lnTo>
-                  <a:cubicBezTo>
-                    <a:pt x="1" y="4433"/>
-                    <a:pt x="29" y="4462"/>
-                    <a:pt x="58" y="4462"/>
-                  </a:cubicBezTo>
-                  <a:lnTo>
-                    <a:pt x="1430" y="4462"/>
-                  </a:lnTo>
-                  <a:cubicBezTo>
-                    <a:pt x="1473" y="4462"/>
-                    <a:pt x="1502" y="4433"/>
-                    <a:pt x="1502" y="4389"/>
-                  </a:cubicBezTo>
-                  <a:lnTo>
-                    <a:pt x="1502" y="2859"/>
-                  </a:lnTo>
-                  <a:cubicBezTo>
-                    <a:pt x="1502" y="2354"/>
-                    <a:pt x="1617" y="1502"/>
-                    <a:pt x="2382" y="1502"/>
-                  </a:cubicBezTo>
-                  <a:cubicBezTo>
-                    <a:pt x="3133" y="1502"/>
-                    <a:pt x="3249" y="2354"/>
-                    <a:pt x="3249" y="2859"/>
-                  </a:cubicBezTo>
-                  <a:lnTo>
-                    <a:pt x="3249" y="4404"/>
-                  </a:lnTo>
-                  <a:cubicBezTo>
-                    <a:pt x="3249" y="4433"/>
-                    <a:pt x="3277" y="4462"/>
-                    <a:pt x="3321" y="4462"/>
-                  </a:cubicBezTo>
-                  <a:lnTo>
-                    <a:pt x="3321" y="4476"/>
-                  </a:lnTo>
-                  <a:lnTo>
-                    <a:pt x="4692" y="4476"/>
-                  </a:lnTo>
-                  <a:cubicBezTo>
-                    <a:pt x="4721" y="4476"/>
-                    <a:pt x="4750" y="4433"/>
-                    <a:pt x="4750" y="4404"/>
-                  </a:cubicBezTo>
-                  <a:lnTo>
-                    <a:pt x="4750" y="2383"/>
-                  </a:lnTo>
-                  <a:cubicBezTo>
-                    <a:pt x="4764" y="1806"/>
-                    <a:pt x="4591" y="1243"/>
-                    <a:pt x="4259" y="766"/>
-                  </a:cubicBezTo>
-                  <a:cubicBezTo>
-                    <a:pt x="3893" y="287"/>
-                    <a:pt x="3320" y="1"/>
-                    <a:pt x="2716" y="1"/>
-                  </a:cubicBezTo>
-                  <a:close/>
-                </a:path>
-              </a:pathLst>
-            </a:custGeom>
-            <a:solidFill>
-              <a:schemeClr val="lt1"/>
-            </a:solidFill>
-            <a:ln>
-              <a:noFill/>
-            </a:ln>
-          </p:spPr>
-          <p:txBody>
-            <a:bodyPr spcFirstLastPara="1" wrap="square" lIns="91425" tIns="91425" rIns="91425" bIns="91425" anchor="ctr" anchorCtr="0">
-              <a:noAutofit/>
-            </a:bodyPr>
-            <a:lstStyle/>
-            <a:p>
-              <a:pPr marL="0" lvl="0" indent="0" algn="l" rtl="0">
-                <a:spcBef>
-                  <a:spcPts val="0"/>
-                </a:spcBef>
-                <a:spcAft>
-                  <a:spcPts val="0"/>
-                </a:spcAft>
-                <a:buNone/>
-              </a:pPr>
-              <a:endParaRPr/>
-            </a:p>
-          </p:txBody>
-        </p:sp>
-      </p:grpSp>
-      <p:grpSp>
-        <p:nvGrpSpPr>
-          <p:cNvPr id="1454" name="Google Shape;1454;p71"/>
-          <p:cNvGrpSpPr/>
-          <p:nvPr/>
-        </p:nvGrpSpPr>
-        <p:grpSpPr>
-          <a:xfrm>
-            <a:off x="1686724" y="673516"/>
-            <a:ext cx="362920" cy="356865"/>
-            <a:chOff x="3314750" y="3817357"/>
-            <a:chExt cx="362920" cy="356865"/>
-          </a:xfrm>
-        </p:grpSpPr>
-        <p:grpSp>
-          <p:nvGrpSpPr>
-            <p:cNvPr id="1455" name="Google Shape;1455;p71"/>
-            <p:cNvGrpSpPr/>
-            <p:nvPr/>
-          </p:nvGrpSpPr>
-          <p:grpSpPr>
-            <a:xfrm>
-              <a:off x="3314750" y="3817357"/>
-              <a:ext cx="362920" cy="356865"/>
-              <a:chOff x="3314750" y="3817357"/>
-              <a:chExt cx="362920" cy="356865"/>
-            </a:xfrm>
-          </p:grpSpPr>
-          <p:sp>
-            <p:nvSpPr>
-              <p:cNvPr id="1456" name="Google Shape;1456;p71"/>
-              <p:cNvSpPr/>
-              <p:nvPr/>
-            </p:nvSpPr>
-            <p:spPr>
-              <a:xfrm>
-                <a:off x="3314750" y="3817357"/>
-                <a:ext cx="356865" cy="356498"/>
-              </a:xfrm>
-              <a:custGeom>
-                <a:avLst/>
-                <a:gdLst/>
-                <a:ahLst/>
-                <a:cxnLst/>
-                <a:rect l="l" t="t" r="r" b="b"/>
-                <a:pathLst>
-                  <a:path w="13613" h="13599" extrusionOk="0">
-                    <a:moveTo>
-                      <a:pt x="6814" y="0"/>
-                    </a:moveTo>
-                    <a:cubicBezTo>
-                      <a:pt x="3046" y="0"/>
-                      <a:pt x="0" y="3046"/>
-                      <a:pt x="0" y="6799"/>
-                    </a:cubicBezTo>
-                    <a:cubicBezTo>
-                      <a:pt x="0" y="10552"/>
-                      <a:pt x="3046" y="13598"/>
-                      <a:pt x="6814" y="13598"/>
-                    </a:cubicBezTo>
-                    <a:cubicBezTo>
-                      <a:pt x="10567" y="13598"/>
-                      <a:pt x="13613" y="10552"/>
-                      <a:pt x="13613" y="6799"/>
-                    </a:cubicBezTo>
-                    <a:cubicBezTo>
-                      <a:pt x="13613" y="3046"/>
-                      <a:pt x="10567" y="0"/>
-                      <a:pt x="6814" y="0"/>
-                    </a:cubicBezTo>
-                    <a:close/>
-                  </a:path>
-                </a:pathLst>
-              </a:custGeom>
-              <a:gradFill>
-                <a:gsLst>
-                  <a:gs pos="0">
-                    <a:schemeClr val="lt2"/>
-                  </a:gs>
-                  <a:gs pos="100000">
-                    <a:schemeClr val="accent2"/>
-                  </a:gs>
-                </a:gsLst>
-                <a:lin ang="8099331" scaled="0"/>
-              </a:gradFill>
-              <a:ln>
-                <a:noFill/>
-              </a:ln>
-            </p:spPr>
-            <p:txBody>
-              <a:bodyPr spcFirstLastPara="1" wrap="square" lIns="91425" tIns="91425" rIns="91425" bIns="91425" anchor="ctr" anchorCtr="0">
-                <a:noAutofit/>
-              </a:bodyPr>
-              <a:lstStyle/>
-              <a:p>
-                <a:pPr marL="0" lvl="0" indent="0" algn="l" rtl="0">
-                  <a:spcBef>
-                    <a:spcPts val="0"/>
-                  </a:spcBef>
-                  <a:spcAft>
-                    <a:spcPts val="0"/>
-                  </a:spcAft>
-                  <a:buNone/>
-                </a:pPr>
-                <a:endParaRPr/>
-              </a:p>
-            </p:txBody>
-          </p:sp>
-          <p:sp>
-            <p:nvSpPr>
-              <p:cNvPr id="1457" name="Google Shape;1457;p71"/>
-              <p:cNvSpPr/>
-              <p:nvPr/>
-            </p:nvSpPr>
-            <p:spPr>
-              <a:xfrm>
-                <a:off x="3469891" y="3817357"/>
-                <a:ext cx="207780" cy="356865"/>
-              </a:xfrm>
-              <a:custGeom>
-                <a:avLst/>
-                <a:gdLst/>
-                <a:ahLst/>
-                <a:cxnLst/>
-                <a:rect l="l" t="t" r="r" b="b"/>
-                <a:pathLst>
-                  <a:path w="7926" h="13613" extrusionOk="0">
-                    <a:moveTo>
-                      <a:pt x="881" y="0"/>
-                    </a:moveTo>
-                    <a:cubicBezTo>
-                      <a:pt x="884" y="0"/>
-                      <a:pt x="886" y="0"/>
-                      <a:pt x="888" y="0"/>
-                    </a:cubicBezTo>
-                    <a:lnTo>
-                      <a:pt x="888" y="0"/>
-                    </a:lnTo>
-                    <a:cubicBezTo>
-                      <a:pt x="891" y="0"/>
-                      <a:pt x="893" y="0"/>
-                      <a:pt x="896" y="0"/>
-                    </a:cubicBezTo>
-                    <a:close/>
-                    <a:moveTo>
-                      <a:pt x="888" y="0"/>
-                    </a:moveTo>
-                    <a:lnTo>
-                      <a:pt x="888" y="0"/>
-                    </a:lnTo>
-                    <a:cubicBezTo>
-                      <a:pt x="588" y="0"/>
-                      <a:pt x="301" y="15"/>
-                      <a:pt x="1" y="58"/>
-                    </a:cubicBezTo>
-                    <a:cubicBezTo>
-                      <a:pt x="3393" y="491"/>
-                      <a:pt x="5934" y="3378"/>
-                      <a:pt x="5934" y="6799"/>
-                    </a:cubicBezTo>
-                    <a:cubicBezTo>
-                      <a:pt x="5934" y="10220"/>
-                      <a:pt x="3393" y="13107"/>
-                      <a:pt x="1" y="13555"/>
-                    </a:cubicBezTo>
-                    <a:cubicBezTo>
-                      <a:pt x="299" y="13594"/>
-                      <a:pt x="595" y="13612"/>
-                      <a:pt x="887" y="13612"/>
-                    </a:cubicBezTo>
-                    <a:cubicBezTo>
-                      <a:pt x="4418" y="13612"/>
-                      <a:pt x="7441" y="10873"/>
-                      <a:pt x="7680" y="7247"/>
-                    </a:cubicBezTo>
-                    <a:cubicBezTo>
-                      <a:pt x="7926" y="3323"/>
-                      <a:pt x="4826" y="4"/>
-                      <a:pt x="888" y="0"/>
-                    </a:cubicBezTo>
-                    <a:close/>
-                  </a:path>
-                </a:pathLst>
-              </a:custGeom>
-              <a:solidFill>
-                <a:schemeClr val="dk1">
-                  <a:alpha val="6520"/>
-                </a:schemeClr>
-              </a:solidFill>
-              <a:ln>
-                <a:noFill/>
-              </a:ln>
-            </p:spPr>
-            <p:txBody>
-              <a:bodyPr spcFirstLastPara="1" wrap="square" lIns="91425" tIns="91425" rIns="91425" bIns="91425" anchor="ctr" anchorCtr="0">
-                <a:noAutofit/>
-              </a:bodyPr>
-              <a:lstStyle/>
-              <a:p>
-                <a:pPr marL="0" lvl="0" indent="0" algn="l" rtl="0">
-                  <a:spcBef>
-                    <a:spcPts val="0"/>
-                  </a:spcBef>
-                  <a:spcAft>
-                    <a:spcPts val="0"/>
-                  </a:spcAft>
-                  <a:buNone/>
-                </a:pPr>
-                <a:endParaRPr/>
-              </a:p>
-            </p:txBody>
-          </p:sp>
-        </p:grpSp>
-        <p:grpSp>
-          <p:nvGrpSpPr>
-            <p:cNvPr id="1458" name="Google Shape;1458;p71"/>
-            <p:cNvGrpSpPr/>
-            <p:nvPr/>
-          </p:nvGrpSpPr>
-          <p:grpSpPr>
-            <a:xfrm>
-              <a:off x="3394986" y="3894612"/>
-              <a:ext cx="202339" cy="202323"/>
-              <a:chOff x="935197" y="1793977"/>
-              <a:chExt cx="256451" cy="256430"/>
-            </a:xfrm>
-          </p:grpSpPr>
-          <p:sp>
-            <p:nvSpPr>
-              <p:cNvPr id="1459" name="Google Shape;1459;p71"/>
-              <p:cNvSpPr/>
-              <p:nvPr/>
-            </p:nvSpPr>
-            <p:spPr>
-              <a:xfrm>
-                <a:off x="935197" y="1793977"/>
-                <a:ext cx="256451" cy="256430"/>
-              </a:xfrm>
-              <a:custGeom>
-                <a:avLst/>
-                <a:gdLst/>
-                <a:ahLst/>
-                <a:cxnLst/>
-                <a:rect l="l" t="t" r="r" b="b"/>
-                <a:pathLst>
-                  <a:path w="12288" h="12287" extrusionOk="0">
-                    <a:moveTo>
-                      <a:pt x="10053" y="1117"/>
-                    </a:moveTo>
-                    <a:cubicBezTo>
-                      <a:pt x="10669" y="1117"/>
-                      <a:pt x="11171" y="1617"/>
-                      <a:pt x="11171" y="2233"/>
-                    </a:cubicBezTo>
-                    <a:cubicBezTo>
-                      <a:pt x="11170" y="2850"/>
-                      <a:pt x="10669" y="3351"/>
-                      <a:pt x="10053" y="3351"/>
-                    </a:cubicBezTo>
-                    <a:cubicBezTo>
-                      <a:pt x="9438" y="3351"/>
-                      <a:pt x="8937" y="2850"/>
-                      <a:pt x="8937" y="2233"/>
-                    </a:cubicBezTo>
-                    <a:cubicBezTo>
-                      <a:pt x="8937" y="1617"/>
-                      <a:pt x="9438" y="1117"/>
-                      <a:pt x="10053" y="1117"/>
-                    </a:cubicBezTo>
-                    <a:close/>
-                    <a:moveTo>
-                      <a:pt x="6144" y="2233"/>
-                    </a:moveTo>
-                    <a:cubicBezTo>
-                      <a:pt x="8300" y="2233"/>
-                      <a:pt x="10053" y="3988"/>
-                      <a:pt x="10053" y="6144"/>
-                    </a:cubicBezTo>
-                    <a:cubicBezTo>
-                      <a:pt x="10053" y="8299"/>
-                      <a:pt x="8300" y="10054"/>
-                      <a:pt x="6144" y="10054"/>
-                    </a:cubicBezTo>
-                    <a:cubicBezTo>
-                      <a:pt x="3989" y="10054"/>
-                      <a:pt x="2234" y="8299"/>
-                      <a:pt x="2234" y="6144"/>
-                    </a:cubicBezTo>
-                    <a:cubicBezTo>
-                      <a:pt x="2234" y="3988"/>
-                      <a:pt x="3987" y="2233"/>
-                      <a:pt x="6144" y="2233"/>
-                    </a:cubicBezTo>
-                    <a:close/>
-                    <a:moveTo>
-                      <a:pt x="1675" y="1"/>
-                    </a:moveTo>
-                    <a:cubicBezTo>
-                      <a:pt x="752" y="1"/>
-                      <a:pt x="0" y="751"/>
-                      <a:pt x="0" y="1676"/>
-                    </a:cubicBezTo>
-                    <a:lnTo>
-                      <a:pt x="0" y="10611"/>
-                    </a:lnTo>
-                    <a:cubicBezTo>
-                      <a:pt x="0" y="11536"/>
-                      <a:pt x="752" y="12286"/>
-                      <a:pt x="1675" y="12286"/>
-                    </a:cubicBezTo>
-                    <a:lnTo>
-                      <a:pt x="10612" y="12286"/>
-                    </a:lnTo>
-                    <a:cubicBezTo>
-                      <a:pt x="11536" y="12286"/>
-                      <a:pt x="12288" y="11536"/>
-                      <a:pt x="12288" y="10611"/>
-                    </a:cubicBezTo>
-                    <a:lnTo>
-                      <a:pt x="12288" y="1676"/>
-                    </a:lnTo>
-                    <a:cubicBezTo>
-                      <a:pt x="12288" y="752"/>
-                      <a:pt x="11536" y="1"/>
-                      <a:pt x="10612" y="1"/>
-                    </a:cubicBezTo>
-                    <a:close/>
-                  </a:path>
-                </a:pathLst>
-              </a:custGeom>
-              <a:solidFill>
-                <a:schemeClr val="lt1"/>
-              </a:solidFill>
-              <a:ln>
-                <a:noFill/>
-              </a:ln>
-            </p:spPr>
-            <p:txBody>
-              <a:bodyPr spcFirstLastPara="1" wrap="square" lIns="91425" tIns="91425" rIns="91425" bIns="91425" anchor="ctr" anchorCtr="0">
-                <a:noAutofit/>
-              </a:bodyPr>
-              <a:lstStyle/>
-              <a:p>
-                <a:pPr marL="0" lvl="0" indent="0" algn="l" rtl="0">
-                  <a:spcBef>
-                    <a:spcPts val="0"/>
-                  </a:spcBef>
-                  <a:spcAft>
-                    <a:spcPts val="0"/>
-                  </a:spcAft>
-                  <a:buNone/>
-                </a:pPr>
-                <a:endParaRPr/>
-              </a:p>
-            </p:txBody>
-          </p:sp>
-          <p:sp>
-            <p:nvSpPr>
-              <p:cNvPr id="1460" name="Google Shape;1460;p71"/>
-              <p:cNvSpPr/>
-              <p:nvPr/>
-            </p:nvSpPr>
-            <p:spPr>
-              <a:xfrm>
-                <a:off x="1005109" y="1863910"/>
-                <a:ext cx="116622" cy="116559"/>
-              </a:xfrm>
-              <a:custGeom>
-                <a:avLst/>
-                <a:gdLst/>
-                <a:ahLst/>
-                <a:cxnLst/>
-                <a:rect l="l" t="t" r="r" b="b"/>
-                <a:pathLst>
-                  <a:path w="5588" h="5585" extrusionOk="0">
-                    <a:moveTo>
-                      <a:pt x="2794" y="0"/>
-                    </a:moveTo>
-                    <a:cubicBezTo>
-                      <a:pt x="1255" y="0"/>
-                      <a:pt x="1" y="1252"/>
-                      <a:pt x="1" y="2793"/>
-                    </a:cubicBezTo>
-                    <a:cubicBezTo>
-                      <a:pt x="1" y="4332"/>
-                      <a:pt x="1255" y="5585"/>
-                      <a:pt x="2794" y="5585"/>
-                    </a:cubicBezTo>
-                    <a:cubicBezTo>
-                      <a:pt x="4333" y="5585"/>
-                      <a:pt x="5587" y="4332"/>
-                      <a:pt x="5587" y="2793"/>
-                    </a:cubicBezTo>
-                    <a:cubicBezTo>
-                      <a:pt x="5587" y="1252"/>
-                      <a:pt x="4333" y="0"/>
-                      <a:pt x="2794" y="0"/>
-                    </a:cubicBezTo>
-                    <a:close/>
-                  </a:path>
-                </a:pathLst>
-              </a:custGeom>
-              <a:solidFill>
-                <a:schemeClr val="lt1"/>
-              </a:solidFill>
-              <a:ln>
-                <a:noFill/>
-              </a:ln>
-            </p:spPr>
-            <p:txBody>
-              <a:bodyPr spcFirstLastPara="1" wrap="square" lIns="91425" tIns="91425" rIns="91425" bIns="91425" anchor="ctr" anchorCtr="0">
-                <a:noAutofit/>
-              </a:bodyPr>
-              <a:lstStyle/>
-              <a:p>
-                <a:pPr marL="0" lvl="0" indent="0" algn="l" rtl="0">
-                  <a:spcBef>
-                    <a:spcPts val="0"/>
-                  </a:spcBef>
-                  <a:spcAft>
-                    <a:spcPts val="0"/>
-                  </a:spcAft>
-                  <a:buNone/>
-                </a:pPr>
-                <a:endParaRPr/>
-              </a:p>
-            </p:txBody>
-          </p:sp>
-        </p:grpSp>
-      </p:grpSp>
-      <p:grpSp>
-        <p:nvGrpSpPr>
-          <p:cNvPr id="1461" name="Google Shape;1461;p71"/>
-          <p:cNvGrpSpPr/>
-          <p:nvPr/>
-        </p:nvGrpSpPr>
-        <p:grpSpPr>
-          <a:xfrm>
-            <a:off x="1002838" y="673516"/>
-            <a:ext cx="362920" cy="356865"/>
-            <a:chOff x="2866317" y="3817357"/>
-            <a:chExt cx="362920" cy="356865"/>
-          </a:xfrm>
-        </p:grpSpPr>
-        <p:sp>
-          <p:nvSpPr>
-            <p:cNvPr id="1462" name="Google Shape;1462;p71"/>
-            <p:cNvSpPr/>
-            <p:nvPr/>
-          </p:nvSpPr>
-          <p:spPr>
-            <a:xfrm>
-              <a:off x="2866317" y="3817357"/>
-              <a:ext cx="356865" cy="356498"/>
-            </a:xfrm>
-            <a:custGeom>
-              <a:avLst/>
-              <a:gdLst/>
-              <a:ahLst/>
-              <a:cxnLst/>
-              <a:rect l="l" t="t" r="r" b="b"/>
-              <a:pathLst>
-                <a:path w="13613" h="13599" extrusionOk="0">
-                  <a:moveTo>
-                    <a:pt x="6799" y="0"/>
-                  </a:moveTo>
-                  <a:cubicBezTo>
-                    <a:pt x="3046" y="0"/>
-                    <a:pt x="0" y="3046"/>
-                    <a:pt x="0" y="6799"/>
-                  </a:cubicBezTo>
-                  <a:cubicBezTo>
-                    <a:pt x="0" y="10552"/>
-                    <a:pt x="3046" y="13598"/>
-                    <a:pt x="6799" y="13598"/>
-                  </a:cubicBezTo>
-                  <a:cubicBezTo>
-                    <a:pt x="10567" y="13598"/>
-                    <a:pt x="13613" y="10552"/>
-                    <a:pt x="13613" y="6799"/>
-                  </a:cubicBezTo>
-                  <a:cubicBezTo>
-                    <a:pt x="13613" y="3046"/>
-                    <a:pt x="10567" y="0"/>
-                    <a:pt x="6799" y="0"/>
-                  </a:cubicBezTo>
-                  <a:close/>
-                </a:path>
-              </a:pathLst>
-            </a:custGeom>
-            <a:gradFill>
-              <a:gsLst>
-                <a:gs pos="0">
-                  <a:schemeClr val="accent3"/>
-                </a:gs>
-                <a:gs pos="100000">
-                  <a:schemeClr val="accent4"/>
-                </a:gs>
-              </a:gsLst>
-              <a:lin ang="5400700" scaled="0"/>
-            </a:gradFill>
-            <a:ln>
-              <a:noFill/>
-            </a:ln>
-          </p:spPr>
-          <p:txBody>
-            <a:bodyPr spcFirstLastPara="1" wrap="square" lIns="91425" tIns="91425" rIns="91425" bIns="91425" anchor="ctr" anchorCtr="0">
-              <a:noAutofit/>
-            </a:bodyPr>
-            <a:lstStyle/>
-            <a:p>
-              <a:pPr marL="0" lvl="0" indent="0" algn="l" rtl="0">
-                <a:spcBef>
-                  <a:spcPts val="0"/>
-                </a:spcBef>
-                <a:spcAft>
-                  <a:spcPts val="0"/>
-                </a:spcAft>
-                <a:buNone/>
-              </a:pPr>
-              <a:endParaRPr/>
-            </a:p>
-          </p:txBody>
-        </p:sp>
-        <p:sp>
-          <p:nvSpPr>
-            <p:cNvPr id="1463" name="Google Shape;1463;p71"/>
-            <p:cNvSpPr/>
-            <p:nvPr/>
-          </p:nvSpPr>
-          <p:spPr>
-            <a:xfrm>
-              <a:off x="3021457" y="3817357"/>
-              <a:ext cx="207780" cy="356576"/>
-            </a:xfrm>
-            <a:custGeom>
-              <a:avLst/>
-              <a:gdLst/>
-              <a:ahLst/>
-              <a:cxnLst/>
-              <a:rect l="l" t="t" r="r" b="b"/>
-              <a:pathLst>
-                <a:path w="7926" h="13602" extrusionOk="0">
-                  <a:moveTo>
-                    <a:pt x="881" y="0"/>
-                  </a:moveTo>
-                  <a:cubicBezTo>
-                    <a:pt x="593" y="0"/>
-                    <a:pt x="290" y="15"/>
-                    <a:pt x="1" y="58"/>
-                  </a:cubicBezTo>
-                  <a:cubicBezTo>
-                    <a:pt x="3379" y="505"/>
-                    <a:pt x="5919" y="3378"/>
-                    <a:pt x="5919" y="6799"/>
-                  </a:cubicBezTo>
-                  <a:cubicBezTo>
-                    <a:pt x="5919" y="10220"/>
-                    <a:pt x="3379" y="13093"/>
-                    <a:pt x="1" y="13541"/>
-                  </a:cubicBezTo>
-                  <a:cubicBezTo>
-                    <a:pt x="306" y="13581"/>
-                    <a:pt x="610" y="13601"/>
-                    <a:pt x="909" y="13601"/>
-                  </a:cubicBezTo>
-                  <a:cubicBezTo>
-                    <a:pt x="4431" y="13601"/>
-                    <a:pt x="7440" y="10865"/>
-                    <a:pt x="7666" y="7247"/>
-                  </a:cubicBezTo>
-                  <a:cubicBezTo>
-                    <a:pt x="7926" y="3320"/>
-                    <a:pt x="4822" y="0"/>
-                    <a:pt x="881" y="0"/>
-                  </a:cubicBezTo>
-                  <a:close/>
-                </a:path>
-              </a:pathLst>
-            </a:custGeom>
-            <a:solidFill>
-              <a:schemeClr val="dk1">
-                <a:alpha val="6520"/>
-              </a:schemeClr>
-            </a:solidFill>
-            <a:ln>
-              <a:noFill/>
-            </a:ln>
-          </p:spPr>
-          <p:txBody>
-            <a:bodyPr spcFirstLastPara="1" wrap="square" lIns="91425" tIns="91425" rIns="91425" bIns="91425" anchor="ctr" anchorCtr="0">
-              <a:noAutofit/>
-            </a:bodyPr>
-            <a:lstStyle/>
-            <a:p>
-              <a:pPr marL="0" lvl="0" indent="0" algn="l" rtl="0">
-                <a:spcBef>
-                  <a:spcPts val="0"/>
-                </a:spcBef>
-                <a:spcAft>
-                  <a:spcPts val="0"/>
-                </a:spcAft>
-                <a:buNone/>
-              </a:pPr>
-              <a:endParaRPr/>
-            </a:p>
-          </p:txBody>
-        </p:sp>
-        <p:sp>
-          <p:nvSpPr>
-            <p:cNvPr id="1464" name="Google Shape;1464;p71"/>
-            <p:cNvSpPr/>
-            <p:nvPr/>
-          </p:nvSpPr>
-          <p:spPr>
-            <a:xfrm>
-              <a:off x="2928367" y="3894561"/>
-              <a:ext cx="194175" cy="279662"/>
-            </a:xfrm>
-            <a:custGeom>
-              <a:avLst/>
-              <a:gdLst/>
-              <a:ahLst/>
-              <a:cxnLst/>
-              <a:rect l="l" t="t" r="r" b="b"/>
-              <a:pathLst>
-                <a:path w="7407" h="10668" extrusionOk="0">
-                  <a:moveTo>
-                    <a:pt x="6208" y="0"/>
-                  </a:moveTo>
-                  <a:cubicBezTo>
-                    <a:pt x="4086" y="14"/>
-                    <a:pt x="2079" y="1732"/>
-                    <a:pt x="2079" y="3854"/>
-                  </a:cubicBezTo>
-                  <a:lnTo>
-                    <a:pt x="2079" y="4114"/>
-                  </a:lnTo>
-                  <a:cubicBezTo>
-                    <a:pt x="2079" y="4129"/>
-                    <a:pt x="2051" y="4157"/>
-                    <a:pt x="2036" y="4157"/>
-                  </a:cubicBezTo>
-                  <a:lnTo>
-                    <a:pt x="174" y="4157"/>
-                  </a:lnTo>
-                  <a:cubicBezTo>
-                    <a:pt x="73" y="4157"/>
-                    <a:pt x="1" y="4230"/>
-                    <a:pt x="1" y="4331"/>
-                  </a:cubicBezTo>
-                  <a:lnTo>
-                    <a:pt x="1" y="6048"/>
-                  </a:lnTo>
-                  <a:cubicBezTo>
-                    <a:pt x="1" y="6149"/>
-                    <a:pt x="73" y="6236"/>
-                    <a:pt x="174" y="6236"/>
-                  </a:cubicBezTo>
-                  <a:lnTo>
-                    <a:pt x="2036" y="6236"/>
-                  </a:lnTo>
-                  <a:cubicBezTo>
-                    <a:pt x="2051" y="6236"/>
-                    <a:pt x="2079" y="6251"/>
-                    <a:pt x="2079" y="6279"/>
-                  </a:cubicBezTo>
-                  <a:lnTo>
-                    <a:pt x="2079" y="10220"/>
-                  </a:lnTo>
-                  <a:cubicBezTo>
-                    <a:pt x="2079" y="10235"/>
-                    <a:pt x="2079" y="10249"/>
-                    <a:pt x="2108" y="10264"/>
-                  </a:cubicBezTo>
-                  <a:cubicBezTo>
-                    <a:pt x="2743" y="10495"/>
-                    <a:pt x="3422" y="10624"/>
-                    <a:pt x="4100" y="10668"/>
-                  </a:cubicBezTo>
-                  <a:cubicBezTo>
-                    <a:pt x="4129" y="10668"/>
-                    <a:pt x="4144" y="10639"/>
-                    <a:pt x="4144" y="10624"/>
-                  </a:cubicBezTo>
-                  <a:lnTo>
-                    <a:pt x="4144" y="6279"/>
-                  </a:lnTo>
-                  <a:cubicBezTo>
-                    <a:pt x="4144" y="6251"/>
-                    <a:pt x="4158" y="6236"/>
-                    <a:pt x="4187" y="6236"/>
-                  </a:cubicBezTo>
-                  <a:lnTo>
-                    <a:pt x="7218" y="6236"/>
-                  </a:lnTo>
-                  <a:cubicBezTo>
-                    <a:pt x="7319" y="6236"/>
-                    <a:pt x="7406" y="6149"/>
-                    <a:pt x="7406" y="6048"/>
-                  </a:cubicBezTo>
-                  <a:lnTo>
-                    <a:pt x="7406" y="4331"/>
-                  </a:lnTo>
-                  <a:cubicBezTo>
-                    <a:pt x="7406" y="4230"/>
-                    <a:pt x="7319" y="4143"/>
-                    <a:pt x="7218" y="4143"/>
-                  </a:cubicBezTo>
-                  <a:lnTo>
-                    <a:pt x="4187" y="4143"/>
-                  </a:lnTo>
-                  <a:cubicBezTo>
-                    <a:pt x="4158" y="4143"/>
-                    <a:pt x="4144" y="4129"/>
-                    <a:pt x="4144" y="4100"/>
-                  </a:cubicBezTo>
-                  <a:lnTo>
-                    <a:pt x="4144" y="3854"/>
-                  </a:lnTo>
-                  <a:cubicBezTo>
-                    <a:pt x="4144" y="2714"/>
-                    <a:pt x="5068" y="2079"/>
-                    <a:pt x="6208" y="2079"/>
-                  </a:cubicBezTo>
-                  <a:lnTo>
-                    <a:pt x="7218" y="2079"/>
-                  </a:lnTo>
-                  <a:cubicBezTo>
-                    <a:pt x="7319" y="2079"/>
-                    <a:pt x="7406" y="1992"/>
-                    <a:pt x="7406" y="1891"/>
-                  </a:cubicBezTo>
-                  <a:lnTo>
-                    <a:pt x="7406" y="173"/>
-                  </a:lnTo>
-                  <a:cubicBezTo>
-                    <a:pt x="7406" y="72"/>
-                    <a:pt x="7319" y="0"/>
-                    <a:pt x="7218" y="0"/>
-                  </a:cubicBezTo>
-                  <a:close/>
-                </a:path>
-              </a:pathLst>
-            </a:custGeom>
-            <a:solidFill>
-              <a:schemeClr val="lt1"/>
-            </a:solidFill>
-            <a:ln>
-              <a:noFill/>
-            </a:ln>
-          </p:spPr>
-          <p:txBody>
-            <a:bodyPr spcFirstLastPara="1" wrap="square" lIns="91425" tIns="91425" rIns="91425" bIns="91425" anchor="ctr" anchorCtr="0">
-              <a:noAutofit/>
-            </a:bodyPr>
-            <a:lstStyle/>
-            <a:p>
-              <a:pPr marL="0" lvl="0" indent="0" algn="l" rtl="0">
-                <a:spcBef>
-                  <a:spcPts val="0"/>
-                </a:spcBef>
-                <a:spcAft>
-                  <a:spcPts val="0"/>
-                </a:spcAft>
-                <a:buNone/>
-              </a:pPr>
-              <a:endParaRPr/>
-            </a:p>
-          </p:txBody>
-        </p:sp>
-      </p:grpSp>
     </p:spTree>
   </p:cSld>
   <p:clrMapOvr>
